--- a/assets/Offer Evaluator Grid directions.pptx
+++ b/assets/Offer Evaluator Grid directions.pptx
@@ -140,7 +140,7 @@
   </p:defaultTextStyle>
   <p:extLst>
     <p:ext uri="{EFAFB233-063F-42B5-8137-9DF3F51BA10A}">
-      <p15:sldGuideLst xmlns:p15="http://schemas.microsoft.com/office/powerpoint/2012/main">
+      <p15:sldGuideLst xmlns:p15="http://schemas.microsoft.com/office/powerpoint/2012/main" xmlns="">
         <p15:guide id="1" orient="horz" pos="2160">
           <p15:clr>
             <a:srgbClr val="A4A3A4"/>
@@ -481,7 +481,7 @@
             <a:fld id="{D7AF9EEB-3141-495E-A2E5-01DB0999D04B}" type="datetimeFigureOut">
               <a:rPr lang="en-US" smtClean="0"/>
               <a:pPr/>
-              <a:t>3/7/2020</a:t>
+              <a:t>9/4/2022</a:t>
             </a:fld>
             <a:endParaRPr lang="en-US"/>
           </a:p>
@@ -1015,7 +1015,7 @@
     </p:spTree>
     <p:extLst>
       <p:ext uri="{BB962C8B-B14F-4D97-AF65-F5344CB8AC3E}">
-        <p14:creationId xmlns:p14="http://schemas.microsoft.com/office/powerpoint/2010/main" val="1716112118"/>
+        <p14:creationId xmlns:p14="http://schemas.microsoft.com/office/powerpoint/2010/main" xmlns="" val="1716112118"/>
       </p:ext>
     </p:extLst>
   </p:cSld>
@@ -1800,7 +1800,7 @@
     </p:spTree>
     <p:extLst>
       <p:ext uri="{BB962C8B-B14F-4D97-AF65-F5344CB8AC3E}">
-        <p14:creationId xmlns:p14="http://schemas.microsoft.com/office/powerpoint/2010/main" val="1716112118"/>
+        <p14:creationId xmlns:p14="http://schemas.microsoft.com/office/powerpoint/2010/main" xmlns="" val="1716112118"/>
       </p:ext>
     </p:extLst>
   </p:cSld>
@@ -2148,7 +2148,7 @@
     </p:spTree>
     <p:extLst>
       <p:ext uri="{BB962C8B-B14F-4D97-AF65-F5344CB8AC3E}">
-        <p14:creationId xmlns:p14="http://schemas.microsoft.com/office/powerpoint/2010/main" val="4253331167"/>
+        <p14:creationId xmlns:p14="http://schemas.microsoft.com/office/powerpoint/2010/main" xmlns="" val="4253331167"/>
       </p:ext>
     </p:extLst>
   </p:cSld>
@@ -2450,7 +2450,7 @@
     </p:spTree>
     <p:extLst>
       <p:ext uri="{BB962C8B-B14F-4D97-AF65-F5344CB8AC3E}">
-        <p14:creationId xmlns:p14="http://schemas.microsoft.com/office/powerpoint/2010/main" val="3083790961"/>
+        <p14:creationId xmlns:p14="http://schemas.microsoft.com/office/powerpoint/2010/main" xmlns="" val="3083790961"/>
       </p:ext>
     </p:extLst>
   </p:cSld>
@@ -2680,7 +2680,7 @@
     </p:spTree>
     <p:extLst>
       <p:ext uri="{BB962C8B-B14F-4D97-AF65-F5344CB8AC3E}">
-        <p14:creationId xmlns:p14="http://schemas.microsoft.com/office/powerpoint/2010/main" val="425357907"/>
+        <p14:creationId xmlns:p14="http://schemas.microsoft.com/office/powerpoint/2010/main" xmlns="" val="425357907"/>
       </p:ext>
     </p:extLst>
   </p:cSld>
@@ -2787,7 +2787,7 @@
     </p:spTree>
     <p:extLst>
       <p:ext uri="{BB962C8B-B14F-4D97-AF65-F5344CB8AC3E}">
-        <p14:creationId xmlns:p14="http://schemas.microsoft.com/office/powerpoint/2010/main" val="4238838903"/>
+        <p14:creationId xmlns:p14="http://schemas.microsoft.com/office/powerpoint/2010/main" xmlns="" val="4238838903"/>
       </p:ext>
     </p:extLst>
   </p:cSld>
@@ -3000,7 +3000,7 @@
     </p:spTree>
     <p:extLst>
       <p:ext uri="{BB962C8B-B14F-4D97-AF65-F5344CB8AC3E}">
-        <p14:creationId xmlns:p14="http://schemas.microsoft.com/office/powerpoint/2010/main" val="4238838903"/>
+        <p14:creationId xmlns:p14="http://schemas.microsoft.com/office/powerpoint/2010/main" xmlns="" val="4238838903"/>
       </p:ext>
     </p:extLst>
   </p:cSld>
@@ -3251,7 +3251,7 @@
     </p:spTree>
     <p:extLst>
       <p:ext uri="{BB962C8B-B14F-4D97-AF65-F5344CB8AC3E}">
-        <p14:creationId xmlns:p14="http://schemas.microsoft.com/office/powerpoint/2010/main" val="4238838903"/>
+        <p14:creationId xmlns:p14="http://schemas.microsoft.com/office/powerpoint/2010/main" xmlns="" val="4238838903"/>
       </p:ext>
     </p:extLst>
   </p:cSld>
@@ -3494,7 +3494,7 @@
     </p:spTree>
     <p:extLst>
       <p:ext uri="{BB962C8B-B14F-4D97-AF65-F5344CB8AC3E}">
-        <p14:creationId xmlns:p14="http://schemas.microsoft.com/office/powerpoint/2010/main" val="2744084454"/>
+        <p14:creationId xmlns:p14="http://schemas.microsoft.com/office/powerpoint/2010/main" xmlns="" val="2744084454"/>
       </p:ext>
     </p:extLst>
   </p:cSld>
@@ -3667,7 +3667,7 @@
     </p:spTree>
     <p:extLst>
       <p:ext uri="{BB962C8B-B14F-4D97-AF65-F5344CB8AC3E}">
-        <p14:creationId xmlns:p14="http://schemas.microsoft.com/office/powerpoint/2010/main" val="3325775498"/>
+        <p14:creationId xmlns:p14="http://schemas.microsoft.com/office/powerpoint/2010/main" xmlns="" val="3325775498"/>
       </p:ext>
     </p:extLst>
   </p:cSld>
@@ -3756,7 +3756,7 @@
     </p:spTree>
     <p:extLst>
       <p:ext uri="{BB962C8B-B14F-4D97-AF65-F5344CB8AC3E}">
-        <p14:creationId xmlns:p14="http://schemas.microsoft.com/office/powerpoint/2010/main" val="3155947818"/>
+        <p14:creationId xmlns:p14="http://schemas.microsoft.com/office/powerpoint/2010/main" xmlns="" val="3155947818"/>
       </p:ext>
     </p:extLst>
   </p:cSld>
@@ -3848,7 +3848,7 @@
     </p:spTree>
     <p:extLst>
       <p:ext uri="{BB962C8B-B14F-4D97-AF65-F5344CB8AC3E}">
-        <p14:creationId xmlns:p14="http://schemas.microsoft.com/office/powerpoint/2010/main" val="219881277"/>
+        <p14:creationId xmlns:p14="http://schemas.microsoft.com/office/powerpoint/2010/main" xmlns="" val="219881277"/>
       </p:ext>
     </p:extLst>
   </p:cSld>
@@ -3940,7 +3940,7 @@
     </p:spTree>
     <p:extLst>
       <p:ext uri="{BB962C8B-B14F-4D97-AF65-F5344CB8AC3E}">
-        <p14:creationId xmlns:p14="http://schemas.microsoft.com/office/powerpoint/2010/main" val="219881277"/>
+        <p14:creationId xmlns:p14="http://schemas.microsoft.com/office/powerpoint/2010/main" xmlns="" val="219881277"/>
       </p:ext>
     </p:extLst>
   </p:cSld>
@@ -4025,7 +4025,7 @@
     </p:spTree>
     <p:extLst>
       <p:ext uri="{BB962C8B-B14F-4D97-AF65-F5344CB8AC3E}">
-        <p14:creationId xmlns:p14="http://schemas.microsoft.com/office/powerpoint/2010/main" val="3937249083"/>
+        <p14:creationId xmlns:p14="http://schemas.microsoft.com/office/powerpoint/2010/main" xmlns="" val="3937249083"/>
       </p:ext>
     </p:extLst>
   </p:cSld>
@@ -5118,7 +5118,7 @@
     </p:spTree>
     <p:extLst>
       <p:ext uri="{BB962C8B-B14F-4D97-AF65-F5344CB8AC3E}">
-        <p14:creationId xmlns:p14="http://schemas.microsoft.com/office/powerpoint/2010/main" val="4020079547"/>
+        <p14:creationId xmlns:p14="http://schemas.microsoft.com/office/powerpoint/2010/main" xmlns="" val="4020079547"/>
       </p:ext>
     </p:extLst>
   </p:cSld>
@@ -5283,7 +5283,7 @@
     </p:spTree>
     <p:extLst>
       <p:ext uri="{BB962C8B-B14F-4D97-AF65-F5344CB8AC3E}">
-        <p14:creationId xmlns:p14="http://schemas.microsoft.com/office/powerpoint/2010/main" val="3895683531"/>
+        <p14:creationId xmlns:p14="http://schemas.microsoft.com/office/powerpoint/2010/main" xmlns="" val="3895683531"/>
       </p:ext>
     </p:extLst>
   </p:cSld>
@@ -5535,7 +5535,7 @@
     </p:spTree>
     <p:extLst>
       <p:ext uri="{BB962C8B-B14F-4D97-AF65-F5344CB8AC3E}">
-        <p14:creationId xmlns:p14="http://schemas.microsoft.com/office/powerpoint/2010/main" val="1716112118"/>
+        <p14:creationId xmlns:p14="http://schemas.microsoft.com/office/powerpoint/2010/main" xmlns="" val="1716112118"/>
       </p:ext>
     </p:extLst>
   </p:cSld>
@@ -5725,7 +5725,7 @@
             <a:fld id="{1D8BD707-D9CF-40AE-B4C6-C98DA3205C09}" type="datetimeFigureOut">
               <a:rPr lang="en-US" smtClean="0"/>
               <a:pPr/>
-              <a:t>3/7/2020</a:t>
+              <a:t>9/4/2022</a:t>
             </a:fld>
             <a:endParaRPr lang="en-US"/>
           </a:p>
@@ -5890,7 +5890,7 @@
             <a:fld id="{1D8BD707-D9CF-40AE-B4C6-C98DA3205C09}" type="datetimeFigureOut">
               <a:rPr lang="en-US" smtClean="0"/>
               <a:pPr/>
-              <a:t>3/7/2020</a:t>
+              <a:t>9/4/2022</a:t>
             </a:fld>
             <a:endParaRPr lang="en-US"/>
           </a:p>
@@ -6065,7 +6065,7 @@
             <a:fld id="{1D8BD707-D9CF-40AE-B4C6-C98DA3205C09}" type="datetimeFigureOut">
               <a:rPr lang="en-US" smtClean="0"/>
               <a:pPr/>
-              <a:t>3/7/2020</a:t>
+              <a:t>9/4/2022</a:t>
             </a:fld>
             <a:endParaRPr lang="en-US"/>
           </a:p>
@@ -6230,7 +6230,7 @@
             <a:fld id="{1D8BD707-D9CF-40AE-B4C6-C98DA3205C09}" type="datetimeFigureOut">
               <a:rPr lang="en-US" smtClean="0"/>
               <a:pPr/>
-              <a:t>3/7/2020</a:t>
+              <a:t>9/4/2022</a:t>
             </a:fld>
             <a:endParaRPr lang="en-US"/>
           </a:p>
@@ -6472,7 +6472,7 @@
             <a:fld id="{1D8BD707-D9CF-40AE-B4C6-C98DA3205C09}" type="datetimeFigureOut">
               <a:rPr lang="en-US" smtClean="0"/>
               <a:pPr/>
-              <a:t>3/7/2020</a:t>
+              <a:t>9/4/2022</a:t>
             </a:fld>
             <a:endParaRPr lang="en-US"/>
           </a:p>
@@ -6754,7 +6754,7 @@
             <a:fld id="{1D8BD707-D9CF-40AE-B4C6-C98DA3205C09}" type="datetimeFigureOut">
               <a:rPr lang="en-US" smtClean="0"/>
               <a:pPr/>
-              <a:t>3/7/2020</a:t>
+              <a:t>9/4/2022</a:t>
             </a:fld>
             <a:endParaRPr lang="en-US"/>
           </a:p>
@@ -7170,7 +7170,7 @@
             <a:fld id="{1D8BD707-D9CF-40AE-B4C6-C98DA3205C09}" type="datetimeFigureOut">
               <a:rPr lang="en-US" smtClean="0"/>
               <a:pPr/>
-              <a:t>3/7/2020</a:t>
+              <a:t>9/4/2022</a:t>
             </a:fld>
             <a:endParaRPr lang="en-US"/>
           </a:p>
@@ -7284,7 +7284,7 @@
             <a:fld id="{1D8BD707-D9CF-40AE-B4C6-C98DA3205C09}" type="datetimeFigureOut">
               <a:rPr lang="en-US" smtClean="0"/>
               <a:pPr/>
-              <a:t>3/7/2020</a:t>
+              <a:t>9/4/2022</a:t>
             </a:fld>
             <a:endParaRPr lang="en-US"/>
           </a:p>
@@ -7376,7 +7376,7 @@
             <a:fld id="{1D8BD707-D9CF-40AE-B4C6-C98DA3205C09}" type="datetimeFigureOut">
               <a:rPr lang="en-US" smtClean="0"/>
               <a:pPr/>
-              <a:t>3/7/2020</a:t>
+              <a:t>9/4/2022</a:t>
             </a:fld>
             <a:endParaRPr lang="en-US"/>
           </a:p>
@@ -7648,7 +7648,7 @@
             <a:fld id="{1D8BD707-D9CF-40AE-B4C6-C98DA3205C09}" type="datetimeFigureOut">
               <a:rPr lang="en-US" smtClean="0"/>
               <a:pPr/>
-              <a:t>3/7/2020</a:t>
+              <a:t>9/4/2022</a:t>
             </a:fld>
             <a:endParaRPr lang="en-US"/>
           </a:p>
@@ -7897,7 +7897,7 @@
             <a:fld id="{1D8BD707-D9CF-40AE-B4C6-C98DA3205C09}" type="datetimeFigureOut">
               <a:rPr lang="en-US" smtClean="0"/>
               <a:pPr/>
-              <a:t>3/7/2020</a:t>
+              <a:t>9/4/2022</a:t>
             </a:fld>
             <a:endParaRPr lang="en-US"/>
           </a:p>
@@ -8105,7 +8105,7 @@
             <a:fld id="{1D8BD707-D9CF-40AE-B4C6-C98DA3205C09}" type="datetimeFigureOut">
               <a:rPr lang="en-US" smtClean="0"/>
               <a:pPr/>
-              <a:t>3/7/2020</a:t>
+              <a:t>9/4/2022</a:t>
             </a:fld>
             <a:endParaRPr lang="en-US"/>
           </a:p>
@@ -8494,9 +8494,10 @@
           <a:lstStyle/>
           <a:p>
             <a:r>
-              <a:rPr lang="en-US" dirty="0"/>
-              <a:t>ARV Grid Analysis</a:t>
-            </a:r>
+              <a:rPr lang="en-US" dirty="0" smtClean="0"/>
+              <a:t>Offer Evaluator Grid</a:t>
+            </a:r>
+            <a:endParaRPr lang="en-US" dirty="0"/>
           </a:p>
         </p:txBody>
       </p:sp>
@@ -8515,6 +8516,14 @@
           <a:bodyPr/>
           <a:lstStyle/>
           <a:p>
+            <a:r>
+              <a:rPr lang="en-US" dirty="0" smtClean="0"/>
+              <a:t>A </a:t>
+            </a:r>
+            <a:r>
+              <a:rPr lang="en-US" smtClean="0"/>
+              <a:t>step-by-step guide</a:t>
+            </a:r>
             <a:endParaRPr lang="en-US" dirty="0"/>
           </a:p>
         </p:txBody>
@@ -8836,7 +8845,7 @@
     </p:spTree>
     <p:extLst>
       <p:ext uri="{BB962C8B-B14F-4D97-AF65-F5344CB8AC3E}">
-        <p14:creationId xmlns:p14="http://schemas.microsoft.com/office/powerpoint/2010/main" val="1289758532"/>
+        <p14:creationId xmlns:p14="http://schemas.microsoft.com/office/powerpoint/2010/main" xmlns="" val="1289758532"/>
       </p:ext>
     </p:extLst>
   </p:cSld>
@@ -9395,7 +9404,7 @@
     </p:spTree>
     <p:extLst>
       <p:ext uri="{BB962C8B-B14F-4D97-AF65-F5344CB8AC3E}">
-        <p14:creationId xmlns:p14="http://schemas.microsoft.com/office/powerpoint/2010/main" val="1289758532"/>
+        <p14:creationId xmlns:p14="http://schemas.microsoft.com/office/powerpoint/2010/main" xmlns="" val="1289758532"/>
       </p:ext>
     </p:extLst>
   </p:cSld>
@@ -9773,7 +9782,7 @@
           <p:cNvPr id="2" name="Title 1">
             <a:extLst>
               <a:ext uri="{FF2B5EF4-FFF2-40B4-BE49-F238E27FC236}">
-                <a16:creationId xmlns:a16="http://schemas.microsoft.com/office/drawing/2014/main" id="{F5074245-0FB6-4180-853E-AD7CB4BB3D34}"/>
+                <a16:creationId xmlns:a16="http://schemas.microsoft.com/office/drawing/2014/main" xmlns="" id="{F5074245-0FB6-4180-853E-AD7CB4BB3D34}"/>
               </a:ext>
             </a:extLst>
           </p:cNvPr>
@@ -9883,7 +9892,7 @@
     </p:spTree>
     <p:extLst>
       <p:ext uri="{BB962C8B-B14F-4D97-AF65-F5344CB8AC3E}">
-        <p14:creationId xmlns:p14="http://schemas.microsoft.com/office/powerpoint/2010/main" val="2023209585"/>
+        <p14:creationId xmlns:p14="http://schemas.microsoft.com/office/powerpoint/2010/main" xmlns="" val="2023209585"/>
       </p:ext>
     </p:extLst>
   </p:cSld>
@@ -9915,7 +9924,7 @@
           <p:cNvPr id="9" name="Title 8">
             <a:extLst>
               <a:ext uri="{FF2B5EF4-FFF2-40B4-BE49-F238E27FC236}">
-                <a16:creationId xmlns:a16="http://schemas.microsoft.com/office/drawing/2014/main" id="{223689BF-77E5-4C9E-9F4E-68DB22D5DCAF}"/>
+                <a16:creationId xmlns:a16="http://schemas.microsoft.com/office/drawing/2014/main" xmlns="" id="{223689BF-77E5-4C9E-9F4E-68DB22D5DCAF}"/>
               </a:ext>
             </a:extLst>
           </p:cNvPr>
@@ -9950,7 +9959,7 @@
           <p:cNvPr id="11" name="Content Placeholder 10">
             <a:extLst>
               <a:ext uri="{FF2B5EF4-FFF2-40B4-BE49-F238E27FC236}">
-                <a16:creationId xmlns:a16="http://schemas.microsoft.com/office/drawing/2014/main" id="{0E45924D-AB65-4BEB-A004-12560DDD30AB}"/>
+                <a16:creationId xmlns:a16="http://schemas.microsoft.com/office/drawing/2014/main" xmlns="" id="{0E45924D-AB65-4BEB-A004-12560DDD30AB}"/>
               </a:ext>
             </a:extLst>
           </p:cNvPr>
@@ -9982,7 +9991,7 @@
           <p:cNvPr id="10" name="Content Placeholder 9">
             <a:extLst>
               <a:ext uri="{FF2B5EF4-FFF2-40B4-BE49-F238E27FC236}">
-                <a16:creationId xmlns:a16="http://schemas.microsoft.com/office/drawing/2014/main" id="{8DA56799-952D-4035-8082-B1BD0ED01539}"/>
+                <a16:creationId xmlns:a16="http://schemas.microsoft.com/office/drawing/2014/main" xmlns="" id="{8DA56799-952D-4035-8082-B1BD0ED01539}"/>
               </a:ext>
             </a:extLst>
           </p:cNvPr>
@@ -10107,7 +10116,7 @@
     </p:spTree>
     <p:extLst>
       <p:ext uri="{BB962C8B-B14F-4D97-AF65-F5344CB8AC3E}">
-        <p14:creationId xmlns:p14="http://schemas.microsoft.com/office/powerpoint/2010/main" val="1807264588"/>
+        <p14:creationId xmlns:p14="http://schemas.microsoft.com/office/powerpoint/2010/main" xmlns="" val="1807264588"/>
       </p:ext>
     </p:extLst>
   </p:cSld>
@@ -10139,7 +10148,7 @@
           <p:cNvPr id="2" name="Title 1">
             <a:extLst>
               <a:ext uri="{FF2B5EF4-FFF2-40B4-BE49-F238E27FC236}">
-                <a16:creationId xmlns:a16="http://schemas.microsoft.com/office/drawing/2014/main" id="{30F14A5A-4490-4E93-AD0E-F04700CECB78}"/>
+                <a16:creationId xmlns:a16="http://schemas.microsoft.com/office/drawing/2014/main" xmlns="" id="{30F14A5A-4490-4E93-AD0E-F04700CECB78}"/>
               </a:ext>
             </a:extLst>
           </p:cNvPr>
@@ -10348,7 +10357,7 @@
     </p:spTree>
     <p:extLst>
       <p:ext uri="{BB962C8B-B14F-4D97-AF65-F5344CB8AC3E}">
-        <p14:creationId xmlns:p14="http://schemas.microsoft.com/office/powerpoint/2010/main" val="436238020"/>
+        <p14:creationId xmlns:p14="http://schemas.microsoft.com/office/powerpoint/2010/main" xmlns="" val="436238020"/>
       </p:ext>
     </p:extLst>
   </p:cSld>
@@ -10380,7 +10389,7 @@
           <p:cNvPr id="2" name="Title 1">
             <a:extLst>
               <a:ext uri="{FF2B5EF4-FFF2-40B4-BE49-F238E27FC236}">
-                <a16:creationId xmlns:a16="http://schemas.microsoft.com/office/drawing/2014/main" id="{30F14A5A-4490-4E93-AD0E-F04700CECB78}"/>
+                <a16:creationId xmlns:a16="http://schemas.microsoft.com/office/drawing/2014/main" xmlns="" id="{30F14A5A-4490-4E93-AD0E-F04700CECB78}"/>
               </a:ext>
             </a:extLst>
           </p:cNvPr>
@@ -10410,7 +10419,7 @@
           <p:cNvPr id="3" name="Content Placeholder 2">
             <a:extLst>
               <a:ext uri="{FF2B5EF4-FFF2-40B4-BE49-F238E27FC236}">
-                <a16:creationId xmlns:a16="http://schemas.microsoft.com/office/drawing/2014/main" id="{40DC221D-690E-44AE-81A3-E01491576DEC}"/>
+                <a16:creationId xmlns:a16="http://schemas.microsoft.com/office/drawing/2014/main" xmlns="" id="{40DC221D-690E-44AE-81A3-E01491576DEC}"/>
               </a:ext>
             </a:extLst>
           </p:cNvPr>
@@ -10448,7 +10457,7 @@
           <p:cNvPr id="4" name="Content Placeholder 3">
             <a:extLst>
               <a:ext uri="{FF2B5EF4-FFF2-40B4-BE49-F238E27FC236}">
-                <a16:creationId xmlns:a16="http://schemas.microsoft.com/office/drawing/2014/main" id="{42C16A82-43EB-4929-96F0-685C0F289619}"/>
+                <a16:creationId xmlns:a16="http://schemas.microsoft.com/office/drawing/2014/main" xmlns="" id="{42C16A82-43EB-4929-96F0-685C0F289619}"/>
               </a:ext>
             </a:extLst>
           </p:cNvPr>
@@ -10537,7 +10546,7 @@
           <p:cNvPr id="7" name="Picture 6">
             <a:extLst>
               <a:ext uri="{FF2B5EF4-FFF2-40B4-BE49-F238E27FC236}">
-                <a16:creationId xmlns:a16="http://schemas.microsoft.com/office/drawing/2014/main" id="{D8DB0914-5353-4F17-8637-C3330E037B87}"/>
+                <a16:creationId xmlns:a16="http://schemas.microsoft.com/office/drawing/2014/main" xmlns="" id="{D8DB0914-5353-4F17-8637-C3330E037B87}"/>
               </a:ext>
             </a:extLst>
           </p:cNvPr>
@@ -10567,7 +10576,7 @@
           <p:cNvPr id="8" name="Picture 7">
             <a:extLst>
               <a:ext uri="{FF2B5EF4-FFF2-40B4-BE49-F238E27FC236}">
-                <a16:creationId xmlns:a16="http://schemas.microsoft.com/office/drawing/2014/main" id="{2986134E-9708-49BD-85B5-84E727701AC9}"/>
+                <a16:creationId xmlns:a16="http://schemas.microsoft.com/office/drawing/2014/main" xmlns="" id="{2986134E-9708-49BD-85B5-84E727701AC9}"/>
               </a:ext>
             </a:extLst>
           </p:cNvPr>
@@ -10636,7 +10645,7 @@
     </p:spTree>
     <p:extLst>
       <p:ext uri="{BB962C8B-B14F-4D97-AF65-F5344CB8AC3E}">
-        <p14:creationId xmlns:p14="http://schemas.microsoft.com/office/powerpoint/2010/main" val="436238020"/>
+        <p14:creationId xmlns:p14="http://schemas.microsoft.com/office/powerpoint/2010/main" xmlns="" val="436238020"/>
       </p:ext>
     </p:extLst>
   </p:cSld>
@@ -10751,7 +10760,7 @@
           <p:cNvPr id="2" name="Title 1">
             <a:extLst>
               <a:ext uri="{FF2B5EF4-FFF2-40B4-BE49-F238E27FC236}">
-                <a16:creationId xmlns:a16="http://schemas.microsoft.com/office/drawing/2014/main" id="{30F14A5A-4490-4E93-AD0E-F04700CECB78}"/>
+                <a16:creationId xmlns:a16="http://schemas.microsoft.com/office/drawing/2014/main" xmlns="" id="{30F14A5A-4490-4E93-AD0E-F04700CECB78}"/>
               </a:ext>
             </a:extLst>
           </p:cNvPr>
@@ -10785,7 +10794,7 @@
           <p:cNvPr id="4" name="Content Placeholder 3">
             <a:extLst>
               <a:ext uri="{FF2B5EF4-FFF2-40B4-BE49-F238E27FC236}">
-                <a16:creationId xmlns:a16="http://schemas.microsoft.com/office/drawing/2014/main" id="{42C16A82-43EB-4929-96F0-685C0F289619}"/>
+                <a16:creationId xmlns:a16="http://schemas.microsoft.com/office/drawing/2014/main" xmlns="" id="{42C16A82-43EB-4929-96F0-685C0F289619}"/>
               </a:ext>
             </a:extLst>
           </p:cNvPr>
@@ -10877,7 +10886,7 @@
     </p:spTree>
     <p:extLst>
       <p:ext uri="{BB962C8B-B14F-4D97-AF65-F5344CB8AC3E}">
-        <p14:creationId xmlns:p14="http://schemas.microsoft.com/office/powerpoint/2010/main" val="436238020"/>
+        <p14:creationId xmlns:p14="http://schemas.microsoft.com/office/powerpoint/2010/main" xmlns="" val="436238020"/>
       </p:ext>
     </p:extLst>
   </p:cSld>
@@ -10909,7 +10918,7 @@
           <p:cNvPr id="2" name="Title 1">
             <a:extLst>
               <a:ext uri="{FF2B5EF4-FFF2-40B4-BE49-F238E27FC236}">
-                <a16:creationId xmlns:a16="http://schemas.microsoft.com/office/drawing/2014/main" id="{35EA0F88-4F42-4AFA-9270-86BE493293E8}"/>
+                <a16:creationId xmlns:a16="http://schemas.microsoft.com/office/drawing/2014/main" xmlns="" id="{35EA0F88-4F42-4AFA-9270-86BE493293E8}"/>
               </a:ext>
             </a:extLst>
           </p:cNvPr>
@@ -10940,7 +10949,7 @@
           <p:cNvPr id="3" name="Content Placeholder 2">
             <a:extLst>
               <a:ext uri="{FF2B5EF4-FFF2-40B4-BE49-F238E27FC236}">
-                <a16:creationId xmlns:a16="http://schemas.microsoft.com/office/drawing/2014/main" id="{B8D398BB-8695-4DE1-A11B-A31A06BDFBE1}"/>
+                <a16:creationId xmlns:a16="http://schemas.microsoft.com/office/drawing/2014/main" xmlns="" id="{B8D398BB-8695-4DE1-A11B-A31A06BDFBE1}"/>
               </a:ext>
             </a:extLst>
           </p:cNvPr>
@@ -10963,7 +10972,7 @@
     </p:spTree>
     <p:extLst>
       <p:ext uri="{BB962C8B-B14F-4D97-AF65-F5344CB8AC3E}">
-        <p14:creationId xmlns:p14="http://schemas.microsoft.com/office/powerpoint/2010/main" val="3216992583"/>
+        <p14:creationId xmlns:p14="http://schemas.microsoft.com/office/powerpoint/2010/main" xmlns="" val="3216992583"/>
       </p:ext>
     </p:extLst>
   </p:cSld>
@@ -11140,7 +11149,7 @@
     </p:spTree>
     <p:extLst>
       <p:ext uri="{BB962C8B-B14F-4D97-AF65-F5344CB8AC3E}">
-        <p14:creationId xmlns:p14="http://schemas.microsoft.com/office/powerpoint/2010/main" val="666309577"/>
+        <p14:creationId xmlns:p14="http://schemas.microsoft.com/office/powerpoint/2010/main" xmlns="" val="666309577"/>
       </p:ext>
     </p:extLst>
   </p:cSld>
@@ -11366,7 +11375,7 @@
           <p:cNvPr id="5" name="Picture 5" descr="A screenshot of a cell phone&#10;&#10;Description generated with very high confidence">
             <a:extLst>
               <a:ext uri="{FF2B5EF4-FFF2-40B4-BE49-F238E27FC236}">
-                <a16:creationId xmlns:a16="http://schemas.microsoft.com/office/drawing/2014/main" id="{E7260E24-7124-475C-A266-39441E6319A2}"/>
+                <a16:creationId xmlns:a16="http://schemas.microsoft.com/office/drawing/2014/main" xmlns="" id="{E7260E24-7124-475C-A266-39441E6319A2}"/>
               </a:ext>
             </a:extLst>
           </p:cNvPr>
@@ -11398,7 +11407,7 @@
           <p:cNvPr id="8" name="Oval 7">
             <a:extLst>
               <a:ext uri="{FF2B5EF4-FFF2-40B4-BE49-F238E27FC236}">
-                <a16:creationId xmlns:a16="http://schemas.microsoft.com/office/drawing/2014/main" id="{4C7B7889-21DE-4B62-ABE4-D90D49F8A234}"/>
+                <a16:creationId xmlns:a16="http://schemas.microsoft.com/office/drawing/2014/main" xmlns="" id="{4C7B7889-21DE-4B62-ABE4-D90D49F8A234}"/>
               </a:ext>
             </a:extLst>
           </p:cNvPr>
@@ -11450,7 +11459,7 @@
           <p:cNvPr id="10" name="Oval 9">
             <a:extLst>
               <a:ext uri="{FF2B5EF4-FFF2-40B4-BE49-F238E27FC236}">
-                <a16:creationId xmlns:a16="http://schemas.microsoft.com/office/drawing/2014/main" id="{03E94647-942A-484E-BE39-7899DA6F5548}"/>
+                <a16:creationId xmlns:a16="http://schemas.microsoft.com/office/drawing/2014/main" xmlns="" id="{03E94647-942A-484E-BE39-7899DA6F5548}"/>
               </a:ext>
             </a:extLst>
           </p:cNvPr>
@@ -11642,7 +11651,7 @@
           <p:cNvPr id="7" name="Picture 7" descr="A screenshot of a cell phone&#10;&#10;Description generated with very high confidence">
             <a:extLst>
               <a:ext uri="{FF2B5EF4-FFF2-40B4-BE49-F238E27FC236}">
-                <a16:creationId xmlns:a16="http://schemas.microsoft.com/office/drawing/2014/main" id="{BB977BA8-3299-4FF7-B79D-F7414F7425EC}"/>
+                <a16:creationId xmlns:a16="http://schemas.microsoft.com/office/drawing/2014/main" xmlns="" id="{BB977BA8-3299-4FF7-B79D-F7414F7425EC}"/>
               </a:ext>
             </a:extLst>
           </p:cNvPr>
@@ -11674,7 +11683,7 @@
           <p:cNvPr id="10" name="Oval 9">
             <a:extLst>
               <a:ext uri="{FF2B5EF4-FFF2-40B4-BE49-F238E27FC236}">
-                <a16:creationId xmlns:a16="http://schemas.microsoft.com/office/drawing/2014/main" id="{5BD99656-09B2-44F9-B475-6AE3CC43A428}"/>
+                <a16:creationId xmlns:a16="http://schemas.microsoft.com/office/drawing/2014/main" xmlns="" id="{5BD99656-09B2-44F9-B475-6AE3CC43A428}"/>
               </a:ext>
             </a:extLst>
           </p:cNvPr>
@@ -11726,7 +11735,7 @@
           <p:cNvPr id="12" name="Oval 11">
             <a:extLst>
               <a:ext uri="{FF2B5EF4-FFF2-40B4-BE49-F238E27FC236}">
-                <a16:creationId xmlns:a16="http://schemas.microsoft.com/office/drawing/2014/main" id="{827AAC8F-070F-404E-915C-26BCD71C42EA}"/>
+                <a16:creationId xmlns:a16="http://schemas.microsoft.com/office/drawing/2014/main" xmlns="" id="{827AAC8F-070F-404E-915C-26BCD71C42EA}"/>
               </a:ext>
             </a:extLst>
           </p:cNvPr>
@@ -11776,7 +11785,7 @@
     </p:spTree>
     <p:extLst>
       <p:ext uri="{BB962C8B-B14F-4D97-AF65-F5344CB8AC3E}">
-        <p14:creationId xmlns:p14="http://schemas.microsoft.com/office/powerpoint/2010/main" val="3175422784"/>
+        <p14:creationId xmlns:p14="http://schemas.microsoft.com/office/powerpoint/2010/main" xmlns="" val="3175422784"/>
       </p:ext>
     </p:extLst>
   </p:cSld>
@@ -11893,7 +11902,7 @@
           <p:cNvPr id="6" name="Picture 7" descr="A screenshot of a cell phone&#10;&#10;Description generated with very high confidence">
             <a:extLst>
               <a:ext uri="{FF2B5EF4-FFF2-40B4-BE49-F238E27FC236}">
-                <a16:creationId xmlns:a16="http://schemas.microsoft.com/office/drawing/2014/main" id="{9A1C1204-ECF7-47EA-A601-75EDE09E4E26}"/>
+                <a16:creationId xmlns:a16="http://schemas.microsoft.com/office/drawing/2014/main" xmlns="" id="{9A1C1204-ECF7-47EA-A601-75EDE09E4E26}"/>
               </a:ext>
             </a:extLst>
           </p:cNvPr>
@@ -11925,7 +11934,7 @@
           <p:cNvPr id="11" name="Oval 10">
             <a:extLst>
               <a:ext uri="{FF2B5EF4-FFF2-40B4-BE49-F238E27FC236}">
-                <a16:creationId xmlns:a16="http://schemas.microsoft.com/office/drawing/2014/main" id="{A1B7232D-8F00-4297-A0B1-A13AC3E5F2D8}"/>
+                <a16:creationId xmlns:a16="http://schemas.microsoft.com/office/drawing/2014/main" xmlns="" id="{A1B7232D-8F00-4297-A0B1-A13AC3E5F2D8}"/>
               </a:ext>
             </a:extLst>
           </p:cNvPr>
@@ -11975,7 +11984,7 @@
     </p:spTree>
     <p:extLst>
       <p:ext uri="{BB962C8B-B14F-4D97-AF65-F5344CB8AC3E}">
-        <p14:creationId xmlns:p14="http://schemas.microsoft.com/office/powerpoint/2010/main" val="3094844766"/>
+        <p14:creationId xmlns:p14="http://schemas.microsoft.com/office/powerpoint/2010/main" xmlns="" val="3094844766"/>
       </p:ext>
     </p:extLst>
   </p:cSld>
@@ -12041,7 +12050,7 @@
           <p:cNvPr id="5" name="Text Placeholder 4">
             <a:extLst>
               <a:ext uri="{FF2B5EF4-FFF2-40B4-BE49-F238E27FC236}">
-                <a16:creationId xmlns:a16="http://schemas.microsoft.com/office/drawing/2014/main" id="{4B972D20-AE26-42DA-90F2-FD0967ABD9BC}"/>
+                <a16:creationId xmlns:a16="http://schemas.microsoft.com/office/drawing/2014/main" xmlns="" id="{4B972D20-AE26-42DA-90F2-FD0967ABD9BC}"/>
               </a:ext>
             </a:extLst>
           </p:cNvPr>
@@ -12325,7 +12334,7 @@
           <p:cNvPr id="11" name="Text Placeholder 4">
             <a:extLst>
               <a:ext uri="{FF2B5EF4-FFF2-40B4-BE49-F238E27FC236}">
-                <a16:creationId xmlns:a16="http://schemas.microsoft.com/office/drawing/2014/main" id="{4B972D20-AE26-42DA-90F2-FD0967ABD9BC}"/>
+                <a16:creationId xmlns:a16="http://schemas.microsoft.com/office/drawing/2014/main" xmlns="" id="{4B972D20-AE26-42DA-90F2-FD0967ABD9BC}"/>
               </a:ext>
             </a:extLst>
           </p:cNvPr>
@@ -12529,7 +12538,7 @@
     </p:spTree>
     <p:extLst>
       <p:ext uri="{BB962C8B-B14F-4D97-AF65-F5344CB8AC3E}">
-        <p14:creationId xmlns:p14="http://schemas.microsoft.com/office/powerpoint/2010/main" val="3146391615"/>
+        <p14:creationId xmlns:p14="http://schemas.microsoft.com/office/powerpoint/2010/main" xmlns="" val="3146391615"/>
       </p:ext>
     </p:extLst>
   </p:cSld>
@@ -12595,7 +12604,7 @@
           <p:cNvPr id="5" name="Text Placeholder 4">
             <a:extLst>
               <a:ext uri="{FF2B5EF4-FFF2-40B4-BE49-F238E27FC236}">
-                <a16:creationId xmlns:a16="http://schemas.microsoft.com/office/drawing/2014/main" id="{4B972D20-AE26-42DA-90F2-FD0967ABD9BC}"/>
+                <a16:creationId xmlns:a16="http://schemas.microsoft.com/office/drawing/2014/main" xmlns="" id="{4B972D20-AE26-42DA-90F2-FD0967ABD9BC}"/>
               </a:ext>
             </a:extLst>
           </p:cNvPr>
@@ -12738,7 +12747,7 @@
           <p:cNvPr id="6" name="Text Placeholder 5">
             <a:extLst>
               <a:ext uri="{FF2B5EF4-FFF2-40B4-BE49-F238E27FC236}">
-                <a16:creationId xmlns:a16="http://schemas.microsoft.com/office/drawing/2014/main" id="{5BD898D2-1720-4167-8057-86BF02B5484C}"/>
+                <a16:creationId xmlns:a16="http://schemas.microsoft.com/office/drawing/2014/main" xmlns="" id="{5BD898D2-1720-4167-8057-86BF02B5484C}"/>
               </a:ext>
             </a:extLst>
           </p:cNvPr>
@@ -12813,7 +12822,7 @@
     </p:spTree>
     <p:extLst>
       <p:ext uri="{BB962C8B-B14F-4D97-AF65-F5344CB8AC3E}">
-        <p14:creationId xmlns:p14="http://schemas.microsoft.com/office/powerpoint/2010/main" val="199017752"/>
+        <p14:creationId xmlns:p14="http://schemas.microsoft.com/office/powerpoint/2010/main" xmlns="" val="199017752"/>
       </p:ext>
     </p:extLst>
   </p:cSld>
@@ -12845,7 +12854,7 @@
           <p:cNvPr id="2" name="Title 1">
             <a:extLst>
               <a:ext uri="{FF2B5EF4-FFF2-40B4-BE49-F238E27FC236}">
-                <a16:creationId xmlns:a16="http://schemas.microsoft.com/office/drawing/2014/main" id="{30F14A5A-4490-4E93-AD0E-F04700CECB78}"/>
+                <a16:creationId xmlns:a16="http://schemas.microsoft.com/office/drawing/2014/main" xmlns="" id="{30F14A5A-4490-4E93-AD0E-F04700CECB78}"/>
               </a:ext>
             </a:extLst>
           </p:cNvPr>
@@ -12876,7 +12885,7 @@
           <p:cNvPr id="4" name="Content Placeholder 3">
             <a:extLst>
               <a:ext uri="{FF2B5EF4-FFF2-40B4-BE49-F238E27FC236}">
-                <a16:creationId xmlns:a16="http://schemas.microsoft.com/office/drawing/2014/main" id="{42C16A82-43EB-4929-96F0-685C0F289619}"/>
+                <a16:creationId xmlns:a16="http://schemas.microsoft.com/office/drawing/2014/main" xmlns="" id="{42C16A82-43EB-4929-96F0-685C0F289619}"/>
               </a:ext>
             </a:extLst>
           </p:cNvPr>
@@ -12957,7 +12966,7 @@
           <p:cNvPr id="11" name="Picture 11" descr="A screenshot of a cell phone&#10;&#10;Description generated with very high confidence">
             <a:extLst>
               <a:ext uri="{FF2B5EF4-FFF2-40B4-BE49-F238E27FC236}">
-                <a16:creationId xmlns:a16="http://schemas.microsoft.com/office/drawing/2014/main" id="{4273A207-EFB2-4858-8F4D-45CF01E33208}"/>
+                <a16:creationId xmlns:a16="http://schemas.microsoft.com/office/drawing/2014/main" xmlns="" id="{4273A207-EFB2-4858-8F4D-45CF01E33208}"/>
               </a:ext>
             </a:extLst>
           </p:cNvPr>
@@ -12987,7 +12996,7 @@
           <p:cNvPr id="15" name="Picture 15" descr="A screenshot of a cell phone&#10;&#10;Description generated with very high confidence">
             <a:extLst>
               <a:ext uri="{FF2B5EF4-FFF2-40B4-BE49-F238E27FC236}">
-                <a16:creationId xmlns:a16="http://schemas.microsoft.com/office/drawing/2014/main" id="{5B79E0AD-281D-4785-A6BA-5608BBB75B51}"/>
+                <a16:creationId xmlns:a16="http://schemas.microsoft.com/office/drawing/2014/main" xmlns="" id="{5B79E0AD-281D-4785-A6BA-5608BBB75B51}"/>
               </a:ext>
             </a:extLst>
           </p:cNvPr>
@@ -13015,7 +13024,7 @@
     </p:spTree>
     <p:extLst>
       <p:ext uri="{BB962C8B-B14F-4D97-AF65-F5344CB8AC3E}">
-        <p14:creationId xmlns:p14="http://schemas.microsoft.com/office/powerpoint/2010/main" val="106548135"/>
+        <p14:creationId xmlns:p14="http://schemas.microsoft.com/office/powerpoint/2010/main" xmlns="" val="106548135"/>
       </p:ext>
     </p:extLst>
   </p:cSld>
@@ -13770,7 +13779,7 @@
           <p:cNvPr id="2" name="Title 1">
             <a:extLst>
               <a:ext uri="{FF2B5EF4-FFF2-40B4-BE49-F238E27FC236}">
-                <a16:creationId xmlns:a16="http://schemas.microsoft.com/office/drawing/2014/main" id="{D3B29018-FCF4-4D34-89FF-83E92186E17D}"/>
+                <a16:creationId xmlns:a16="http://schemas.microsoft.com/office/drawing/2014/main" xmlns="" id="{D3B29018-FCF4-4D34-89FF-83E92186E17D}"/>
               </a:ext>
             </a:extLst>
           </p:cNvPr>
@@ -13814,7 +13823,7 @@
           <p:cNvPr id="3" name="Content Placeholder 2">
             <a:extLst>
               <a:ext uri="{FF2B5EF4-FFF2-40B4-BE49-F238E27FC236}">
-                <a16:creationId xmlns:a16="http://schemas.microsoft.com/office/drawing/2014/main" id="{2D4B436E-284A-4F4C-AB3D-AC5966FFAEAF}"/>
+                <a16:creationId xmlns:a16="http://schemas.microsoft.com/office/drawing/2014/main" xmlns="" id="{2D4B436E-284A-4F4C-AB3D-AC5966FFAEAF}"/>
               </a:ext>
             </a:extLst>
           </p:cNvPr>
@@ -13890,7 +13899,7 @@
           <p:cNvPr id="6" name="Picture 6" descr="A close up of a map&#10;&#10;Description generated with high confidence">
             <a:extLst>
               <a:ext uri="{FF2B5EF4-FFF2-40B4-BE49-F238E27FC236}">
-                <a16:creationId xmlns:a16="http://schemas.microsoft.com/office/drawing/2014/main" id="{EBC2592B-707A-4BB9-8DDC-981886B27B5C}"/>
+                <a16:creationId xmlns:a16="http://schemas.microsoft.com/office/drawing/2014/main" xmlns="" id="{EBC2592B-707A-4BB9-8DDC-981886B27B5C}"/>
               </a:ext>
             </a:extLst>
           </p:cNvPr>
@@ -13920,7 +13929,7 @@
           <p:cNvPr id="9" name="Oval 8">
             <a:extLst>
               <a:ext uri="{FF2B5EF4-FFF2-40B4-BE49-F238E27FC236}">
-                <a16:creationId xmlns:a16="http://schemas.microsoft.com/office/drawing/2014/main" id="{E0323B1A-DE05-4A41-8CA5-A0DAF445700A}"/>
+                <a16:creationId xmlns:a16="http://schemas.microsoft.com/office/drawing/2014/main" xmlns="" id="{E0323B1A-DE05-4A41-8CA5-A0DAF445700A}"/>
               </a:ext>
             </a:extLst>
           </p:cNvPr>
@@ -13970,7 +13979,7 @@
     </p:spTree>
     <p:extLst>
       <p:ext uri="{BB962C8B-B14F-4D97-AF65-F5344CB8AC3E}">
-        <p14:creationId xmlns:p14="http://schemas.microsoft.com/office/powerpoint/2010/main" val="2741955233"/>
+        <p14:creationId xmlns:p14="http://schemas.microsoft.com/office/powerpoint/2010/main" xmlns="" val="2741955233"/>
       </p:ext>
     </p:extLst>
   </p:cSld>
@@ -14002,7 +14011,7 @@
           <p:cNvPr id="16" name="Picture 16" descr="A close up of a map&#10;&#10;Description generated with high confidence">
             <a:extLst>
               <a:ext uri="{FF2B5EF4-FFF2-40B4-BE49-F238E27FC236}">
-                <a16:creationId xmlns:a16="http://schemas.microsoft.com/office/drawing/2014/main" id="{504445D1-03C9-4EAA-854A-4CCA5CD68368}"/>
+                <a16:creationId xmlns:a16="http://schemas.microsoft.com/office/drawing/2014/main" xmlns="" id="{504445D1-03C9-4EAA-854A-4CCA5CD68368}"/>
               </a:ext>
             </a:extLst>
           </p:cNvPr>
@@ -14034,7 +14043,7 @@
           <p:cNvPr id="2" name="Title 1">
             <a:extLst>
               <a:ext uri="{FF2B5EF4-FFF2-40B4-BE49-F238E27FC236}">
-                <a16:creationId xmlns:a16="http://schemas.microsoft.com/office/drawing/2014/main" id="{D3B29018-FCF4-4D34-89FF-83E92186E17D}"/>
+                <a16:creationId xmlns:a16="http://schemas.microsoft.com/office/drawing/2014/main" xmlns="" id="{D3B29018-FCF4-4D34-89FF-83E92186E17D}"/>
               </a:ext>
             </a:extLst>
           </p:cNvPr>
@@ -14082,7 +14091,7 @@
           <p:cNvPr id="3" name="Content Placeholder 2">
             <a:extLst>
               <a:ext uri="{FF2B5EF4-FFF2-40B4-BE49-F238E27FC236}">
-                <a16:creationId xmlns:a16="http://schemas.microsoft.com/office/drawing/2014/main" id="{2D4B436E-284A-4F4C-AB3D-AC5966FFAEAF}"/>
+                <a16:creationId xmlns:a16="http://schemas.microsoft.com/office/drawing/2014/main" xmlns="" id="{2D4B436E-284A-4F4C-AB3D-AC5966FFAEAF}"/>
               </a:ext>
             </a:extLst>
           </p:cNvPr>
@@ -14156,7 +14165,7 @@
           <p:cNvPr id="8" name="Oval 7">
             <a:extLst>
               <a:ext uri="{FF2B5EF4-FFF2-40B4-BE49-F238E27FC236}">
-                <a16:creationId xmlns:a16="http://schemas.microsoft.com/office/drawing/2014/main" id="{979EDE95-0FEE-4EBC-A00C-1925E042574D}"/>
+                <a16:creationId xmlns:a16="http://schemas.microsoft.com/office/drawing/2014/main" xmlns="" id="{979EDE95-0FEE-4EBC-A00C-1925E042574D}"/>
               </a:ext>
             </a:extLst>
           </p:cNvPr>
@@ -14208,7 +14217,7 @@
           <p:cNvPr id="10" name="Oval 9">
             <a:extLst>
               <a:ext uri="{FF2B5EF4-FFF2-40B4-BE49-F238E27FC236}">
-                <a16:creationId xmlns:a16="http://schemas.microsoft.com/office/drawing/2014/main" id="{E25263CB-8A76-4897-9200-F386EF62178F}"/>
+                <a16:creationId xmlns:a16="http://schemas.microsoft.com/office/drawing/2014/main" xmlns="" id="{E25263CB-8A76-4897-9200-F386EF62178F}"/>
               </a:ext>
             </a:extLst>
           </p:cNvPr>
@@ -14260,7 +14269,7 @@
           <p:cNvPr id="12" name="Oval 11">
             <a:extLst>
               <a:ext uri="{FF2B5EF4-FFF2-40B4-BE49-F238E27FC236}">
-                <a16:creationId xmlns:a16="http://schemas.microsoft.com/office/drawing/2014/main" id="{5DB0E3FB-58E9-4F73-B556-B307539C2F41}"/>
+                <a16:creationId xmlns:a16="http://schemas.microsoft.com/office/drawing/2014/main" xmlns="" id="{5DB0E3FB-58E9-4F73-B556-B307539C2F41}"/>
               </a:ext>
             </a:extLst>
           </p:cNvPr>
@@ -14312,7 +14321,7 @@
           <p:cNvPr id="13" name="Oval 12">
             <a:extLst>
               <a:ext uri="{FF2B5EF4-FFF2-40B4-BE49-F238E27FC236}">
-                <a16:creationId xmlns:a16="http://schemas.microsoft.com/office/drawing/2014/main" id="{51F4F9D9-C77A-4C26-87F7-A38B0E5B412F}"/>
+                <a16:creationId xmlns:a16="http://schemas.microsoft.com/office/drawing/2014/main" xmlns="" id="{51F4F9D9-C77A-4C26-87F7-A38B0E5B412F}"/>
               </a:ext>
             </a:extLst>
           </p:cNvPr>
@@ -14362,7 +14371,7 @@
     </p:spTree>
     <p:extLst>
       <p:ext uri="{BB962C8B-B14F-4D97-AF65-F5344CB8AC3E}">
-        <p14:creationId xmlns:p14="http://schemas.microsoft.com/office/powerpoint/2010/main" val="1181501286"/>
+        <p14:creationId xmlns:p14="http://schemas.microsoft.com/office/powerpoint/2010/main" xmlns="" val="1181501286"/>
       </p:ext>
     </p:extLst>
   </p:cSld>
@@ -14394,7 +14403,7 @@
           <p:cNvPr id="2" name="Title 1">
             <a:extLst>
               <a:ext uri="{FF2B5EF4-FFF2-40B4-BE49-F238E27FC236}">
-                <a16:creationId xmlns:a16="http://schemas.microsoft.com/office/drawing/2014/main" id="{D3B29018-FCF4-4D34-89FF-83E92186E17D}"/>
+                <a16:creationId xmlns:a16="http://schemas.microsoft.com/office/drawing/2014/main" xmlns="" id="{D3B29018-FCF4-4D34-89FF-83E92186E17D}"/>
               </a:ext>
             </a:extLst>
           </p:cNvPr>
@@ -14438,7 +14447,7 @@
           <p:cNvPr id="3" name="Content Placeholder 2">
             <a:extLst>
               <a:ext uri="{FF2B5EF4-FFF2-40B4-BE49-F238E27FC236}">
-                <a16:creationId xmlns:a16="http://schemas.microsoft.com/office/drawing/2014/main" id="{2D4B436E-284A-4F4C-AB3D-AC5966FFAEAF}"/>
+                <a16:creationId xmlns:a16="http://schemas.microsoft.com/office/drawing/2014/main" xmlns="" id="{2D4B436E-284A-4F4C-AB3D-AC5966FFAEAF}"/>
               </a:ext>
             </a:extLst>
           </p:cNvPr>
@@ -14549,7 +14558,7 @@
           <p:cNvPr id="4" name="Picture 4" descr="A close up of a map&#10;&#10;Description generated with high confidence">
             <a:extLst>
               <a:ext uri="{FF2B5EF4-FFF2-40B4-BE49-F238E27FC236}">
-                <a16:creationId xmlns:a16="http://schemas.microsoft.com/office/drawing/2014/main" id="{ADF9814B-F985-4917-B1A6-FA76265A63C6}"/>
+                <a16:creationId xmlns:a16="http://schemas.microsoft.com/office/drawing/2014/main" xmlns="" id="{ADF9814B-F985-4917-B1A6-FA76265A63C6}"/>
               </a:ext>
             </a:extLst>
           </p:cNvPr>
@@ -14579,7 +14588,7 @@
           <p:cNvPr id="5" name="Oval 4">
             <a:extLst>
               <a:ext uri="{FF2B5EF4-FFF2-40B4-BE49-F238E27FC236}">
-                <a16:creationId xmlns:a16="http://schemas.microsoft.com/office/drawing/2014/main" id="{95DB7AF6-969F-49B3-9493-F4558D5E6834}"/>
+                <a16:creationId xmlns:a16="http://schemas.microsoft.com/office/drawing/2014/main" xmlns="" id="{95DB7AF6-969F-49B3-9493-F4558D5E6834}"/>
               </a:ext>
             </a:extLst>
           </p:cNvPr>
@@ -14631,7 +14640,7 @@
           <p:cNvPr id="6" name="Oval 5">
             <a:extLst>
               <a:ext uri="{FF2B5EF4-FFF2-40B4-BE49-F238E27FC236}">
-                <a16:creationId xmlns:a16="http://schemas.microsoft.com/office/drawing/2014/main" id="{356FDDD8-3EF7-4ED0-AD6A-3F2DD2551E6D}"/>
+                <a16:creationId xmlns:a16="http://schemas.microsoft.com/office/drawing/2014/main" xmlns="" id="{356FDDD8-3EF7-4ED0-AD6A-3F2DD2551E6D}"/>
               </a:ext>
             </a:extLst>
           </p:cNvPr>
@@ -14681,7 +14690,7 @@
     </p:spTree>
     <p:extLst>
       <p:ext uri="{BB962C8B-B14F-4D97-AF65-F5344CB8AC3E}">
-        <p14:creationId xmlns:p14="http://schemas.microsoft.com/office/powerpoint/2010/main" val="3451999331"/>
+        <p14:creationId xmlns:p14="http://schemas.microsoft.com/office/powerpoint/2010/main" xmlns="" val="3451999331"/>
       </p:ext>
     </p:extLst>
   </p:cSld>
@@ -14713,7 +14722,7 @@
           <p:cNvPr id="6" name="Picture 6" descr="A close up of a map&#10;&#10;Description generated with very high confidence">
             <a:extLst>
               <a:ext uri="{FF2B5EF4-FFF2-40B4-BE49-F238E27FC236}">
-                <a16:creationId xmlns:a16="http://schemas.microsoft.com/office/drawing/2014/main" id="{36CC4B73-CFF1-4526-A446-3B454AC7722C}"/>
+                <a16:creationId xmlns:a16="http://schemas.microsoft.com/office/drawing/2014/main" xmlns="" id="{36CC4B73-CFF1-4526-A446-3B454AC7722C}"/>
               </a:ext>
             </a:extLst>
           </p:cNvPr>
@@ -14745,7 +14754,7 @@
           <p:cNvPr id="2" name="Title 1">
             <a:extLst>
               <a:ext uri="{FF2B5EF4-FFF2-40B4-BE49-F238E27FC236}">
-                <a16:creationId xmlns:a16="http://schemas.microsoft.com/office/drawing/2014/main" id="{D3B29018-FCF4-4D34-89FF-83E92186E17D}"/>
+                <a16:creationId xmlns:a16="http://schemas.microsoft.com/office/drawing/2014/main" xmlns="" id="{D3B29018-FCF4-4D34-89FF-83E92186E17D}"/>
               </a:ext>
             </a:extLst>
           </p:cNvPr>
@@ -14793,7 +14802,7 @@
           <p:cNvPr id="3" name="Content Placeholder 2">
             <a:extLst>
               <a:ext uri="{FF2B5EF4-FFF2-40B4-BE49-F238E27FC236}">
-                <a16:creationId xmlns:a16="http://schemas.microsoft.com/office/drawing/2014/main" id="{2D4B436E-284A-4F4C-AB3D-AC5966FFAEAF}"/>
+                <a16:creationId xmlns:a16="http://schemas.microsoft.com/office/drawing/2014/main" xmlns="" id="{2D4B436E-284A-4F4C-AB3D-AC5966FFAEAF}"/>
               </a:ext>
             </a:extLst>
           </p:cNvPr>
@@ -14865,7 +14874,7 @@
           <p:cNvPr id="12" name="Oval 11">
             <a:extLst>
               <a:ext uri="{FF2B5EF4-FFF2-40B4-BE49-F238E27FC236}">
-                <a16:creationId xmlns:a16="http://schemas.microsoft.com/office/drawing/2014/main" id="{5DB0E3FB-58E9-4F73-B556-B307539C2F41}"/>
+                <a16:creationId xmlns:a16="http://schemas.microsoft.com/office/drawing/2014/main" xmlns="" id="{5DB0E3FB-58E9-4F73-B556-B307539C2F41}"/>
               </a:ext>
             </a:extLst>
           </p:cNvPr>
@@ -14947,7 +14956,7 @@
     </p:spTree>
     <p:extLst>
       <p:ext uri="{BB962C8B-B14F-4D97-AF65-F5344CB8AC3E}">
-        <p14:creationId xmlns:p14="http://schemas.microsoft.com/office/powerpoint/2010/main" val="2905704981"/>
+        <p14:creationId xmlns:p14="http://schemas.microsoft.com/office/powerpoint/2010/main" xmlns="" val="2905704981"/>
       </p:ext>
     </p:extLst>
   </p:cSld>
@@ -15001,6 +15010,10 @@
               </a:rPr>
               <a:t>Trim </a:t>
             </a:r>
+            <a:r>
+              <a:rPr lang="en-US" dirty="0"/>
+              <a:t/>
+            </a:r>
             <a:br>
               <a:rPr lang="en-US" dirty="0"/>
             </a:br>
@@ -15232,7 +15245,7 @@
     </p:spTree>
     <p:extLst>
       <p:ext uri="{BB962C8B-B14F-4D97-AF65-F5344CB8AC3E}">
-        <p14:creationId xmlns:p14="http://schemas.microsoft.com/office/powerpoint/2010/main" val="1289758532"/>
+        <p14:creationId xmlns:p14="http://schemas.microsoft.com/office/powerpoint/2010/main" xmlns="" val="1289758532"/>
       </p:ext>
     </p:extLst>
   </p:cSld>
